--- a/A Lightweight Python Package for Industrial Time Series.pptx
+++ b/A Lightweight Python Package for Industrial Time Series.pptx
@@ -5,20 +5,23 @@
     <p:sldMasterId id="2147483648" r:id="rId4"/>
   </p:sldMasterIdLst>
   <p:notesMasterIdLst>
-    <p:notesMasterId r:id="rId13"/>
+    <p:notesMasterId r:id="rId16"/>
   </p:notesMasterIdLst>
   <p:handoutMasterIdLst>
-    <p:handoutMasterId r:id="rId14"/>
+    <p:handoutMasterId r:id="rId17"/>
   </p:handoutMasterIdLst>
   <p:sldIdLst>
     <p:sldId id="256" r:id="rId5"/>
     <p:sldId id="257" r:id="rId6"/>
     <p:sldId id="301" r:id="rId7"/>
-    <p:sldId id="302" r:id="rId8"/>
-    <p:sldId id="288" r:id="rId9"/>
-    <p:sldId id="290" r:id="rId10"/>
-    <p:sldId id="303" r:id="rId11"/>
-    <p:sldId id="296" r:id="rId12"/>
+    <p:sldId id="304" r:id="rId8"/>
+    <p:sldId id="302" r:id="rId9"/>
+    <p:sldId id="288" r:id="rId10"/>
+    <p:sldId id="290" r:id="rId11"/>
+    <p:sldId id="305" r:id="rId12"/>
+    <p:sldId id="306" r:id="rId13"/>
+    <p:sldId id="303" r:id="rId14"/>
+    <p:sldId id="296" r:id="rId15"/>
   </p:sldIdLst>
   <p:sldSz cx="12192000" cy="6858000"/>
   <p:notesSz cx="6858000" cy="9144000"/>
@@ -960,7 +963,7 @@
             <a:pPr rtl="0"/>
             <a:fld id="{F97DC217-DF71-1A49-B3EA-559F1F43B0FF}" type="slidenum">
               <a:rPr lang="fr-FR" smtClean="0"/>
-              <a:t>4</a:t>
+              <a:t>5</a:t>
             </a:fld>
             <a:endParaRPr lang="fr-FR" dirty="0"/>
           </a:p>
@@ -1054,7 +1057,7 @@
             <a:pPr rtl="0"/>
             <a:fld id="{F97DC217-DF71-1A49-B3EA-559F1F43B0FF}" type="slidenum">
               <a:rPr lang="fr-FR" smtClean="0"/>
-              <a:t>5</a:t>
+              <a:t>6</a:t>
             </a:fld>
             <a:endParaRPr lang="fr-FR" dirty="0"/>
           </a:p>
@@ -1148,7 +1151,7 @@
             <a:pPr rtl="0"/>
             <a:fld id="{F97DC217-DF71-1A49-B3EA-559F1F43B0FF}" type="slidenum">
               <a:rPr lang="fr-FR" smtClean="0"/>
-              <a:t>6</a:t>
+              <a:t>7</a:t>
             </a:fld>
             <a:endParaRPr lang="fr-FR" dirty="0"/>
           </a:p>
@@ -1242,7 +1245,7 @@
             <a:pPr rtl="0"/>
             <a:fld id="{F97DC217-DF71-1A49-B3EA-559F1F43B0FF}" type="slidenum">
               <a:rPr lang="fr-FR" smtClean="0"/>
-              <a:t>7</a:t>
+              <a:t>8</a:t>
             </a:fld>
             <a:endParaRPr lang="fr-FR" dirty="0"/>
           </a:p>
@@ -1251,7 +1254,7 @@
     </p:spTree>
     <p:extLst>
       <p:ext uri="{BB962C8B-B14F-4D97-AF65-F5344CB8AC3E}">
-        <p14:creationId xmlns:p14="http://schemas.microsoft.com/office/powerpoint/2010/main" val="3118797443"/>
+        <p14:creationId xmlns:p14="http://schemas.microsoft.com/office/powerpoint/2010/main" val="2170014369"/>
       </p:ext>
     </p:extLst>
   </p:cSld>
@@ -1336,7 +1339,101 @@
             <a:pPr rtl="0"/>
             <a:fld id="{F97DC217-DF71-1A49-B3EA-559F1F43B0FF}" type="slidenum">
               <a:rPr lang="fr-FR" smtClean="0"/>
-              <a:t>8</a:t>
+              <a:t>10</a:t>
+            </a:fld>
+            <a:endParaRPr lang="fr-FR" dirty="0"/>
+          </a:p>
+        </p:txBody>
+      </p:sp>
+    </p:spTree>
+    <p:extLst>
+      <p:ext uri="{BB962C8B-B14F-4D97-AF65-F5344CB8AC3E}">
+        <p14:creationId xmlns:p14="http://schemas.microsoft.com/office/powerpoint/2010/main" val="3118797443"/>
+      </p:ext>
+    </p:extLst>
+  </p:cSld>
+  <p:clrMapOvr>
+    <a:masterClrMapping/>
+  </p:clrMapOvr>
+</p:notes>
+</file>
+
+<file path=ppt/notesSlides/notesSlide8.xml><?xml version="1.0" encoding="utf-8"?>
+<p:notes xmlns:a="http://schemas.openxmlformats.org/drawingml/2006/main" xmlns:r="http://schemas.openxmlformats.org/officeDocument/2006/relationships" xmlns:p="http://schemas.openxmlformats.org/presentationml/2006/main">
+  <p:cSld>
+    <p:spTree>
+      <p:nvGrpSpPr>
+        <p:cNvPr id="1" name=""/>
+        <p:cNvGrpSpPr/>
+        <p:nvPr/>
+      </p:nvGrpSpPr>
+      <p:grpSpPr>
+        <a:xfrm>
+          <a:off x="0" y="0"/>
+          <a:ext cx="0" cy="0"/>
+          <a:chOff x="0" y="0"/>
+          <a:chExt cx="0" cy="0"/>
+        </a:xfrm>
+      </p:grpSpPr>
+      <p:sp>
+        <p:nvSpPr>
+          <p:cNvPr id="2" name="Espace réservé de l’image des diapositives 1"/>
+          <p:cNvSpPr>
+            <a:spLocks noGrp="1" noRot="1" noChangeAspect="1"/>
+          </p:cNvSpPr>
+          <p:nvPr>
+            <p:ph type="sldImg"/>
+          </p:nvPr>
+        </p:nvSpPr>
+        <p:spPr/>
+      </p:sp>
+      <p:sp>
+        <p:nvSpPr>
+          <p:cNvPr id="3" name="Espace réservé des commentaires 2"/>
+          <p:cNvSpPr>
+            <a:spLocks noGrp="1"/>
+          </p:cNvSpPr>
+          <p:nvPr>
+            <p:ph type="body" idx="1"/>
+          </p:nvPr>
+        </p:nvSpPr>
+        <p:spPr/>
+        <p:txBody>
+          <a:bodyPr rtlCol="0"/>
+          <a:lstStyle>
+            <a:defPPr>
+              <a:defRPr lang="fr-FR"/>
+            </a:defPPr>
+          </a:lstStyle>
+          <a:p>
+            <a:pPr rtl="0"/>
+            <a:endParaRPr lang="fr-FR" dirty="0"/>
+          </a:p>
+        </p:txBody>
+      </p:sp>
+      <p:sp>
+        <p:nvSpPr>
+          <p:cNvPr id="4" name="Espace réservé du numéro de diapositive 3"/>
+          <p:cNvSpPr>
+            <a:spLocks noGrp="1"/>
+          </p:cNvSpPr>
+          <p:nvPr>
+            <p:ph type="sldNum" sz="quarter" idx="5"/>
+          </p:nvPr>
+        </p:nvSpPr>
+        <p:spPr/>
+        <p:txBody>
+          <a:bodyPr rtlCol="0"/>
+          <a:lstStyle>
+            <a:defPPr>
+              <a:defRPr lang="fr-FR"/>
+            </a:defPPr>
+          </a:lstStyle>
+          <a:p>
+            <a:pPr rtl="0"/>
+            <a:fld id="{F97DC217-DF71-1A49-B3EA-559F1F43B0FF}" type="slidenum">
+              <a:rPr lang="fr-FR" smtClean="0"/>
+              <a:t>11</a:t>
             </a:fld>
             <a:endParaRPr lang="fr-FR" dirty="0"/>
           </a:p>
@@ -9582,7 +9679,7 @@
             <a:pPr rtl="0"/>
             <a:r>
               <a:rPr lang="en-US" dirty="0"/>
-              <a:t>A Lightweight Python Package for Industrial Time Series Analysis</a:t>
+              <a:t>Python Package for Industrial Time Series Analysis</a:t>
             </a:r>
             <a:endParaRPr lang="fr-FR" dirty="0"/>
           </a:p>
@@ -9592,6 +9689,305 @@
     <p:extLst>
       <p:ext uri="{BB962C8B-B14F-4D97-AF65-F5344CB8AC3E}">
         <p14:creationId xmlns:p14="http://schemas.microsoft.com/office/powerpoint/2010/main" val="2259308896"/>
+      </p:ext>
+    </p:extLst>
+  </p:cSld>
+  <p:clrMapOvr>
+    <a:masterClrMapping/>
+  </p:clrMapOvr>
+</p:sld>
+</file>
+
+<file path=ppt/slides/slide10.xml><?xml version="1.0" encoding="utf-8"?>
+<p:sld xmlns:a="http://schemas.openxmlformats.org/drawingml/2006/main" xmlns:r="http://schemas.openxmlformats.org/officeDocument/2006/relationships" xmlns:p="http://schemas.openxmlformats.org/presentationml/2006/main">
+  <p:cSld>
+    <p:spTree>
+      <p:nvGrpSpPr>
+        <p:cNvPr id="1" name=""/>
+        <p:cNvGrpSpPr/>
+        <p:nvPr/>
+      </p:nvGrpSpPr>
+      <p:grpSpPr>
+        <a:xfrm>
+          <a:off x="0" y="0"/>
+          <a:ext cx="0" cy="0"/>
+          <a:chOff x="0" y="0"/>
+          <a:chExt cx="0" cy="0"/>
+        </a:xfrm>
+      </p:grpSpPr>
+      <p:sp>
+        <p:nvSpPr>
+          <p:cNvPr id="2" name="Titre 1">
+            <a:extLst>
+              <a:ext uri="{FF2B5EF4-FFF2-40B4-BE49-F238E27FC236}">
+                <a16:creationId xmlns:a16="http://schemas.microsoft.com/office/drawing/2014/main" id="{912DF434-28DB-4621-A497-D62C41CE0419}"/>
+              </a:ext>
+            </a:extLst>
+          </p:cNvPr>
+          <p:cNvSpPr>
+            <a:spLocks noGrp="1"/>
+          </p:cNvSpPr>
+          <p:nvPr>
+            <p:ph type="title"/>
+          </p:nvPr>
+        </p:nvSpPr>
+        <p:spPr>
+          <a:xfrm>
+            <a:off x="1158864" y="102021"/>
+            <a:ext cx="9779183" cy="1744415"/>
+          </a:xfrm>
+        </p:spPr>
+        <p:txBody>
+          <a:bodyPr rtlCol="0"/>
+          <a:lstStyle>
+            <a:defPPr>
+              <a:defRPr lang="fr-FR"/>
+            </a:defPPr>
+          </a:lstStyle>
+          <a:p>
+            <a:pPr rtl="0"/>
+            <a:r>
+              <a:rPr lang="fr-FR" dirty="0"/>
+              <a:t>Cycle </a:t>
+            </a:r>
+            <a:r>
+              <a:rPr lang="fr-FR" dirty="0" err="1"/>
+              <a:t>Comparison</a:t>
+            </a:r>
+            <a:r>
+              <a:rPr lang="fr-FR" dirty="0"/>
+              <a:t> (</a:t>
+            </a:r>
+            <a:r>
+              <a:rPr lang="fr-FR" dirty="0" err="1"/>
+              <a:t>rule</a:t>
+            </a:r>
+            <a:r>
+              <a:rPr lang="fr-FR" dirty="0"/>
+              <a:t> </a:t>
+            </a:r>
+            <a:r>
+              <a:rPr lang="fr-FR" dirty="0" err="1"/>
+              <a:t>based</a:t>
+            </a:r>
+            <a:r>
+              <a:rPr lang="fr-FR" dirty="0"/>
+              <a:t>)</a:t>
+            </a:r>
+          </a:p>
+        </p:txBody>
+      </p:sp>
+      <p:sp>
+        <p:nvSpPr>
+          <p:cNvPr id="3" name="Espace réservé du contenu 2">
+            <a:extLst>
+              <a:ext uri="{FF2B5EF4-FFF2-40B4-BE49-F238E27FC236}">
+                <a16:creationId xmlns:a16="http://schemas.microsoft.com/office/drawing/2014/main" id="{22788C46-D0BC-4307-AE55-7601A139E7CB}"/>
+              </a:ext>
+            </a:extLst>
+          </p:cNvPr>
+          <p:cNvSpPr>
+            <a:spLocks noGrp="1"/>
+          </p:cNvSpPr>
+          <p:nvPr>
+            <p:ph idx="1"/>
+          </p:nvPr>
+        </p:nvSpPr>
+        <p:spPr>
+          <a:xfrm>
+            <a:off x="1158865" y="2017467"/>
+            <a:ext cx="9779182" cy="4204039"/>
+          </a:xfrm>
+        </p:spPr>
+        <p:txBody>
+          <a:bodyPr vert="horz" lIns="91440" tIns="45720" rIns="91440" bIns="45720" rtlCol="0" anchor="t">
+            <a:normAutofit/>
+          </a:bodyPr>
+          <a:lstStyle>
+            <a:defPPr>
+              <a:defRPr lang="fr-FR"/>
+            </a:defPPr>
+          </a:lstStyle>
+          <a:p>
+            <a:r>
+              <a:rPr lang="en-US" dirty="0"/>
+              <a:t>Compare each production cycle to a standard one (by </a:t>
+            </a:r>
+            <a:r>
+              <a:rPr lang="en-US" dirty="0" err="1"/>
+              <a:t>duration,energy</a:t>
+            </a:r>
+            <a:r>
+              <a:rPr lang="en-US" dirty="0"/>
+              <a:t> consumption and , energy variation ) </a:t>
+            </a:r>
+          </a:p>
+          <a:p>
+            <a:r>
+              <a:rPr lang="en-US" dirty="0"/>
+              <a:t>Identify the most deviating cycles</a:t>
+            </a:r>
+          </a:p>
+          <a:p>
+            <a:r>
+              <a:rPr lang="en-US" dirty="0"/>
+              <a:t>Assigning grade to the number of deviating pattern</a:t>
+            </a:r>
+          </a:p>
+          <a:p>
+            <a:r>
+              <a:rPr lang="en-US" dirty="0"/>
+              <a:t>A : no issue </a:t>
+            </a:r>
+          </a:p>
+          <a:p>
+            <a:r>
+              <a:rPr lang="en-US" dirty="0"/>
+              <a:t>B : 1 issues</a:t>
+            </a:r>
+          </a:p>
+          <a:p>
+            <a:r>
+              <a:rPr lang="en-US" dirty="0"/>
+              <a:t>C : 2 issues</a:t>
+            </a:r>
+          </a:p>
+          <a:p>
+            <a:r>
+              <a:rPr lang="en-US" dirty="0"/>
+              <a:t>D : 3 issues</a:t>
+            </a:r>
+          </a:p>
+          <a:p>
+            <a:endParaRPr lang="en-US" dirty="0"/>
+          </a:p>
+          <a:p>
+            <a:pPr rtl="0"/>
+            <a:endParaRPr lang="fr-FR" dirty="0"/>
+          </a:p>
+        </p:txBody>
+      </p:sp>
+    </p:spTree>
+    <p:extLst>
+      <p:ext uri="{BB962C8B-B14F-4D97-AF65-F5344CB8AC3E}">
+        <p14:creationId xmlns:p14="http://schemas.microsoft.com/office/powerpoint/2010/main" val="4050764894"/>
+      </p:ext>
+    </p:extLst>
+  </p:cSld>
+  <p:clrMapOvr>
+    <a:masterClrMapping/>
+  </p:clrMapOvr>
+</p:sld>
+</file>
+
+<file path=ppt/slides/slide11.xml><?xml version="1.0" encoding="utf-8"?>
+<p:sld xmlns:a="http://schemas.openxmlformats.org/drawingml/2006/main" xmlns:r="http://schemas.openxmlformats.org/officeDocument/2006/relationships" xmlns:p="http://schemas.openxmlformats.org/presentationml/2006/main">
+  <p:cSld>
+    <p:spTree>
+      <p:nvGrpSpPr>
+        <p:cNvPr id="1" name=""/>
+        <p:cNvGrpSpPr/>
+        <p:nvPr/>
+      </p:nvGrpSpPr>
+      <p:grpSpPr>
+        <a:xfrm>
+          <a:off x="0" y="0"/>
+          <a:ext cx="0" cy="0"/>
+          <a:chOff x="0" y="0"/>
+          <a:chExt cx="0" cy="0"/>
+        </a:xfrm>
+      </p:grpSpPr>
+      <p:sp>
+        <p:nvSpPr>
+          <p:cNvPr id="7" name="Titre 6">
+            <a:extLst>
+              <a:ext uri="{FF2B5EF4-FFF2-40B4-BE49-F238E27FC236}">
+                <a16:creationId xmlns:a16="http://schemas.microsoft.com/office/drawing/2014/main" id="{81C753FD-96EC-101A-B8A4-5F69A189BEF4}"/>
+              </a:ext>
+            </a:extLst>
+          </p:cNvPr>
+          <p:cNvSpPr>
+            <a:spLocks noGrp="1"/>
+          </p:cNvSpPr>
+          <p:nvPr>
+            <p:ph type="ctrTitle"/>
+          </p:nvPr>
+        </p:nvSpPr>
+        <p:spPr>
+          <a:xfrm>
+            <a:off x="1167493" y="-661851"/>
+            <a:ext cx="6220278" cy="3262811"/>
+          </a:xfrm>
+        </p:spPr>
+        <p:txBody>
+          <a:bodyPr rtlCol="0"/>
+          <a:lstStyle>
+            <a:defPPr>
+              <a:defRPr lang="fr-FR"/>
+            </a:defPPr>
+          </a:lstStyle>
+          <a:p>
+            <a:pPr rtl="0"/>
+            <a:r>
+              <a:rPr lang="fr-FR" dirty="0"/>
+              <a:t>Conclusion</a:t>
+            </a:r>
+          </a:p>
+        </p:txBody>
+      </p:sp>
+      <p:sp>
+        <p:nvSpPr>
+          <p:cNvPr id="5" name="Sous-titre 4">
+            <a:extLst>
+              <a:ext uri="{FF2B5EF4-FFF2-40B4-BE49-F238E27FC236}">
+                <a16:creationId xmlns:a16="http://schemas.microsoft.com/office/drawing/2014/main" id="{67BB04B7-47A4-741B-59E0-F0E6F2126E8F}"/>
+              </a:ext>
+            </a:extLst>
+          </p:cNvPr>
+          <p:cNvSpPr>
+            <a:spLocks noGrp="1"/>
+          </p:cNvSpPr>
+          <p:nvPr>
+            <p:ph type="subTitle" idx="1"/>
+          </p:nvPr>
+        </p:nvSpPr>
+        <p:spPr>
+          <a:xfrm>
+            <a:off x="1167493" y="2797285"/>
+            <a:ext cx="6220277" cy="2919512"/>
+          </a:xfrm>
+        </p:spPr>
+        <p:txBody>
+          <a:bodyPr rtlCol="0"/>
+          <a:lstStyle>
+            <a:defPPr>
+              <a:defRPr lang="fr-FR"/>
+            </a:defPPr>
+          </a:lstStyle>
+          <a:p>
+            <a:r>
+              <a:rPr lang="en-US" dirty="0"/>
+              <a:t>Lightweight and interpretable solution for industrial data</a:t>
+            </a:r>
+          </a:p>
+          <a:p>
+            <a:r>
+              <a:rPr lang="en-US" dirty="0"/>
+              <a:t>Works in real-time environments</a:t>
+            </a:r>
+          </a:p>
+          <a:p>
+            <a:r>
+              <a:rPr lang="en-US" dirty="0"/>
+              <a:t>ML anomaly classification  can be implemented (need more examples of cycle)</a:t>
+            </a:r>
+          </a:p>
+        </p:txBody>
+      </p:sp>
+    </p:spTree>
+    <p:extLst>
+      <p:ext uri="{BB962C8B-B14F-4D97-AF65-F5344CB8AC3E}">
+        <p14:creationId xmlns:p14="http://schemas.microsoft.com/office/powerpoint/2010/main" val="1609673525"/>
       </p:ext>
     </p:extLst>
   </p:cSld>
@@ -9721,7 +10117,7 @@
           <a:p>
             <a:r>
               <a:rPr lang="en-US" dirty="0"/>
-              <a:t>Resampling introduces missing values</a:t>
+              <a:t>Resampling introduces missing values,</a:t>
             </a:r>
           </a:p>
           <a:p>
@@ -9801,7 +10197,7 @@
         </p:nvSpPr>
         <p:spPr>
           <a:xfrm>
-            <a:off x="1206408" y="-561367"/>
+            <a:off x="586648" y="-499647"/>
             <a:ext cx="9779183" cy="1744415"/>
           </a:xfrm>
         </p:spPr>
@@ -9855,8 +10251,8 @@
         </p:nvSpPr>
         <p:spPr>
           <a:xfrm>
-            <a:off x="1206408" y="1372009"/>
-            <a:ext cx="9779182" cy="1744416"/>
+            <a:off x="698409" y="1433860"/>
+            <a:ext cx="9779182" cy="2120577"/>
           </a:xfrm>
         </p:spPr>
         <p:txBody>
@@ -9867,21 +10263,15 @@
           <a:p>
             <a:r>
               <a:rPr lang="en-US" dirty="0"/>
-              <a:t>We use median filtering to detect states</a:t>
-            </a:r>
-          </a:p>
-          <a:p>
+              <a:t>We use median filtering to detect states to </a:t>
+            </a:r>
+            <a:r>
+              <a:rPr lang="en-US" dirty="0" err="1"/>
+              <a:t>separateProduction</a:t>
+            </a:r>
             <a:r>
               <a:rPr lang="en-US" dirty="0"/>
-              <a:t>To be </a:t>
-            </a:r>
-            <a:r>
-              <a:rPr lang="en-US" dirty="0" err="1"/>
-              <a:t>separed</a:t>
-            </a:r>
-            <a:r>
-              <a:rPr lang="en-US" dirty="0"/>
-              <a:t>: Production and Standby</a:t>
+              <a:t> and Standby</a:t>
             </a:r>
           </a:p>
           <a:p>
@@ -9889,6 +10279,17 @@
               <a:rPr lang="en-US" dirty="0"/>
               <a:t>Median filtering helps reduce outlier influence</a:t>
             </a:r>
+          </a:p>
+          <a:p>
+            <a:r>
+              <a:rPr lang="en-US" dirty="0"/>
+              <a:t>We get masks of each states to localize them </a:t>
+            </a:r>
+            <a:r>
+              <a:rPr lang="en-US" dirty="0" err="1"/>
+              <a:t>easely</a:t>
+            </a:r>
+            <a:endParaRPr lang="en-US" dirty="0"/>
           </a:p>
           <a:p>
             <a:endParaRPr lang="en-US" dirty="0"/>
@@ -9938,7 +10339,7 @@
         </p:nvSpPr>
         <p:spPr>
           <a:xfrm>
-            <a:off x="1071937" y="1997161"/>
+            <a:off x="779688" y="2556792"/>
             <a:ext cx="9779183" cy="1744415"/>
           </a:xfrm>
           <a:prstGeom prst="rect">
@@ -10008,7 +10409,7 @@
         </p:nvSpPr>
         <p:spPr>
           <a:xfrm>
-            <a:off x="1071938" y="3930538"/>
+            <a:off x="889058" y="4555689"/>
             <a:ext cx="9779182" cy="1744416"/>
           </a:xfrm>
           <a:prstGeom prst="rect">
@@ -10241,7 +10642,7 @@
           <p:cNvPr id="2" name="Titre 1">
             <a:extLst>
               <a:ext uri="{FF2B5EF4-FFF2-40B4-BE49-F238E27FC236}">
-                <a16:creationId xmlns:a16="http://schemas.microsoft.com/office/drawing/2014/main" id="{E3CEE190-899A-46D2-989D-C4BC6A46F946}"/>
+                <a16:creationId xmlns:a16="http://schemas.microsoft.com/office/drawing/2014/main" id="{82BD168A-7B99-A496-C1CD-256AF762064A}"/>
               </a:ext>
             </a:extLst>
           </p:cNvPr>
@@ -10254,40 +10655,31 @@
         </p:nvSpPr>
         <p:spPr>
           <a:xfrm>
-            <a:off x="3254185" y="-2066364"/>
-            <a:ext cx="8364074" cy="3200400"/>
+            <a:off x="769528" y="-692687"/>
+            <a:ext cx="9779183" cy="1744415"/>
           </a:xfrm>
         </p:spPr>
         <p:txBody>
-          <a:bodyPr rtlCol="0"/>
-          <a:lstStyle>
-            <a:defPPr>
-              <a:defRPr lang="fr-FR"/>
-            </a:defPPr>
-          </a:lstStyle>
-          <a:p>
-            <a:pPr rtl="0"/>
-            <a:r>
-              <a:rPr lang="fr-FR" sz="4800" dirty="0" err="1"/>
-              <a:t>Before</a:t>
-            </a:r>
-            <a:r>
-              <a:rPr lang="fr-FR" sz="4800" dirty="0"/>
+          <a:bodyPr/>
+          <a:lstStyle/>
+          <a:p>
+            <a:r>
+              <a:rPr lang="fr-FR" dirty="0"/>
+              <a:t>State </a:t>
+            </a:r>
+            <a:r>
+              <a:rPr lang="fr-FR" dirty="0" err="1"/>
+              <a:t>detection</a:t>
+            </a:r>
+            <a:r>
+              <a:rPr lang="fr-FR" dirty="0"/>
               <a:t> </a:t>
             </a:r>
             <a:r>
-              <a:rPr lang="fr-FR" sz="4800" dirty="0" err="1"/>
-              <a:t>outlier</a:t>
-            </a:r>
-            <a:r>
-              <a:rPr lang="fr-FR" sz="4800" dirty="0"/>
-              <a:t> </a:t>
-            </a:r>
-            <a:r>
-              <a:rPr lang="fr-FR" sz="4800" dirty="0" err="1"/>
-              <a:t>removal</a:t>
-            </a:r>
-            <a:endParaRPr lang="fr-FR" sz="4800" dirty="0"/>
+              <a:rPr lang="fr-FR" dirty="0" err="1"/>
+              <a:t>principle</a:t>
+            </a:r>
+            <a:endParaRPr lang="fr-FR" dirty="0"/>
           </a:p>
         </p:txBody>
       </p:sp>
@@ -10296,7 +10688,7 @@
           <p:cNvPr id="9" name="Image 8">
             <a:extLst>
               <a:ext uri="{FF2B5EF4-FFF2-40B4-BE49-F238E27FC236}">
-                <a16:creationId xmlns:a16="http://schemas.microsoft.com/office/drawing/2014/main" id="{8BFF0C22-5C3E-5EF8-1BDB-58AF8D608EBF}"/>
+                <a16:creationId xmlns:a16="http://schemas.microsoft.com/office/drawing/2014/main" id="{DE945C49-865F-3A54-5068-C86CCBC34548}"/>
               </a:ext>
             </a:extLst>
           </p:cNvPr>
@@ -10306,25 +10698,100 @@
           <p:nvPr/>
         </p:nvPicPr>
         <p:blipFill>
-          <a:blip r:embed="rId3"/>
+          <a:blip r:embed="rId2"/>
           <a:stretch>
             <a:fillRect/>
           </a:stretch>
         </p:blipFill>
         <p:spPr>
           <a:xfrm>
-            <a:off x="502023" y="1326776"/>
-            <a:ext cx="8364075" cy="5531224"/>
+            <a:off x="860968" y="1828800"/>
+            <a:ext cx="10132152" cy="5029200"/>
           </a:xfrm>
           <a:prstGeom prst="rect">
             <a:avLst/>
           </a:prstGeom>
         </p:spPr>
       </p:pic>
+      <p:sp>
+        <p:nvSpPr>
+          <p:cNvPr id="11" name="Espace réservé du contenu 2">
+            <a:extLst>
+              <a:ext uri="{FF2B5EF4-FFF2-40B4-BE49-F238E27FC236}">
+                <a16:creationId xmlns:a16="http://schemas.microsoft.com/office/drawing/2014/main" id="{07AABD3A-6699-9D5B-527C-941B94B74ABE}"/>
+              </a:ext>
+            </a:extLst>
+          </p:cNvPr>
+          <p:cNvSpPr>
+            <a:spLocks noGrp="1"/>
+          </p:cNvSpPr>
+          <p:nvPr>
+            <p:ph idx="1"/>
+          </p:nvPr>
+        </p:nvSpPr>
+        <p:spPr>
+          <a:xfrm>
+            <a:off x="860968" y="1051728"/>
+            <a:ext cx="11585031" cy="2120577"/>
+          </a:xfrm>
+        </p:spPr>
+        <p:txBody>
+          <a:bodyPr>
+            <a:normAutofit/>
+          </a:bodyPr>
+          <a:lstStyle/>
+          <a:p>
+            <a:r>
+              <a:rPr lang="fr-FR" dirty="0"/>
+              <a:t>We are in production state If the </a:t>
+            </a:r>
+            <a:r>
+              <a:rPr lang="fr-FR" dirty="0" err="1"/>
+              <a:t>median</a:t>
+            </a:r>
+            <a:r>
+              <a:rPr lang="fr-FR" dirty="0"/>
+              <a:t> (in green) </a:t>
+            </a:r>
+            <a:r>
+              <a:rPr lang="fr-FR" dirty="0" err="1"/>
+              <a:t>is</a:t>
+            </a:r>
+            <a:r>
+              <a:rPr lang="fr-FR" dirty="0"/>
+              <a:t> </a:t>
+            </a:r>
+            <a:r>
+              <a:rPr lang="fr-FR" dirty="0" err="1"/>
+              <a:t>above</a:t>
+            </a:r>
+            <a:r>
+              <a:rPr lang="fr-FR" dirty="0"/>
+              <a:t> the production </a:t>
+            </a:r>
+            <a:r>
+              <a:rPr lang="fr-FR" dirty="0" err="1"/>
+              <a:t>theshold</a:t>
+            </a:r>
+            <a:r>
+              <a:rPr lang="fr-FR" dirty="0"/>
+              <a:t> </a:t>
+            </a:r>
+            <a:r>
+              <a:rPr lang="fr-FR" dirty="0" err="1"/>
+              <a:t>else</a:t>
+            </a:r>
+            <a:r>
+              <a:rPr lang="fr-FR" dirty="0"/>
+              <a:t> we are in standby</a:t>
+            </a:r>
+          </a:p>
+        </p:txBody>
+      </p:sp>
     </p:spTree>
     <p:extLst>
       <p:ext uri="{BB962C8B-B14F-4D97-AF65-F5344CB8AC3E}">
-        <p14:creationId xmlns:p14="http://schemas.microsoft.com/office/powerpoint/2010/main" val="301705216"/>
+        <p14:creationId xmlns:p14="http://schemas.microsoft.com/office/powerpoint/2010/main" val="1626377423"/>
       </p:ext>
     </p:extLst>
   </p:cSld>
@@ -10384,6 +10851,121 @@
             <a:pPr rtl="0"/>
             <a:r>
               <a:rPr lang="fr-FR" sz="4800" dirty="0" err="1"/>
+              <a:t>Before</a:t>
+            </a:r>
+            <a:r>
+              <a:rPr lang="fr-FR" sz="4800" dirty="0"/>
+              <a:t> </a:t>
+            </a:r>
+            <a:r>
+              <a:rPr lang="fr-FR" sz="4800" dirty="0" err="1"/>
+              <a:t>outlier</a:t>
+            </a:r>
+            <a:r>
+              <a:rPr lang="fr-FR" sz="4800" dirty="0"/>
+              <a:t> </a:t>
+            </a:r>
+            <a:r>
+              <a:rPr lang="fr-FR" sz="4800" dirty="0" err="1"/>
+              <a:t>removal</a:t>
+            </a:r>
+            <a:endParaRPr lang="fr-FR" sz="4800" dirty="0"/>
+          </a:p>
+        </p:txBody>
+      </p:sp>
+      <p:pic>
+        <p:nvPicPr>
+          <p:cNvPr id="9" name="Image 8">
+            <a:extLst>
+              <a:ext uri="{FF2B5EF4-FFF2-40B4-BE49-F238E27FC236}">
+                <a16:creationId xmlns:a16="http://schemas.microsoft.com/office/drawing/2014/main" id="{8BFF0C22-5C3E-5EF8-1BDB-58AF8D608EBF}"/>
+              </a:ext>
+            </a:extLst>
+          </p:cNvPr>
+          <p:cNvPicPr>
+            <a:picLocks noChangeAspect="1"/>
+          </p:cNvPicPr>
+          <p:nvPr/>
+        </p:nvPicPr>
+        <p:blipFill>
+          <a:blip r:embed="rId3"/>
+          <a:stretch>
+            <a:fillRect/>
+          </a:stretch>
+        </p:blipFill>
+        <p:spPr>
+          <a:xfrm>
+            <a:off x="502023" y="1326776"/>
+            <a:ext cx="8364075" cy="5531224"/>
+          </a:xfrm>
+          <a:prstGeom prst="rect">
+            <a:avLst/>
+          </a:prstGeom>
+        </p:spPr>
+      </p:pic>
+    </p:spTree>
+    <p:extLst>
+      <p:ext uri="{BB962C8B-B14F-4D97-AF65-F5344CB8AC3E}">
+        <p14:creationId xmlns:p14="http://schemas.microsoft.com/office/powerpoint/2010/main" val="301705216"/>
+      </p:ext>
+    </p:extLst>
+  </p:cSld>
+  <p:clrMapOvr>
+    <a:masterClrMapping/>
+  </p:clrMapOvr>
+</p:sld>
+</file>
+
+<file path=ppt/slides/slide6.xml><?xml version="1.0" encoding="utf-8"?>
+<p:sld xmlns:a="http://schemas.openxmlformats.org/drawingml/2006/main" xmlns:r="http://schemas.openxmlformats.org/officeDocument/2006/relationships" xmlns:p="http://schemas.openxmlformats.org/presentationml/2006/main">
+  <p:cSld>
+    <p:spTree>
+      <p:nvGrpSpPr>
+        <p:cNvPr id="1" name=""/>
+        <p:cNvGrpSpPr/>
+        <p:nvPr/>
+      </p:nvGrpSpPr>
+      <p:grpSpPr>
+        <a:xfrm>
+          <a:off x="0" y="0"/>
+          <a:ext cx="0" cy="0"/>
+          <a:chOff x="0" y="0"/>
+          <a:chExt cx="0" cy="0"/>
+        </a:xfrm>
+      </p:grpSpPr>
+      <p:sp>
+        <p:nvSpPr>
+          <p:cNvPr id="2" name="Titre 1">
+            <a:extLst>
+              <a:ext uri="{FF2B5EF4-FFF2-40B4-BE49-F238E27FC236}">
+                <a16:creationId xmlns:a16="http://schemas.microsoft.com/office/drawing/2014/main" id="{E3CEE190-899A-46D2-989D-C4BC6A46F946}"/>
+              </a:ext>
+            </a:extLst>
+          </p:cNvPr>
+          <p:cNvSpPr>
+            <a:spLocks noGrp="1"/>
+          </p:cNvSpPr>
+          <p:nvPr>
+            <p:ph type="title"/>
+          </p:nvPr>
+        </p:nvSpPr>
+        <p:spPr>
+          <a:xfrm>
+            <a:off x="3254185" y="-2066364"/>
+            <a:ext cx="8364074" cy="3200400"/>
+          </a:xfrm>
+        </p:spPr>
+        <p:txBody>
+          <a:bodyPr rtlCol="0"/>
+          <a:lstStyle>
+            <a:defPPr>
+              <a:defRPr lang="fr-FR"/>
+            </a:defPPr>
+          </a:lstStyle>
+          <a:p>
+            <a:pPr rtl="0"/>
+            <a:r>
+              <a:rPr lang="fr-FR" sz="4800" dirty="0" err="1"/>
               <a:t>After</a:t>
             </a:r>
             <a:r>
@@ -10449,7 +11031,7 @@
 </p:sld>
 </file>
 
-<file path=ppt/slides/slide6.xml><?xml version="1.0" encoding="utf-8"?>
+<file path=ppt/slides/slide7.xml><?xml version="1.0" encoding="utf-8"?>
 <p:sld xmlns:a="http://schemas.openxmlformats.org/drawingml/2006/main" xmlns:r="http://schemas.openxmlformats.org/officeDocument/2006/relationships" xmlns:p="http://schemas.openxmlformats.org/presentationml/2006/main">
   <p:cSld>
     <p:spTree>
@@ -10522,8 +11104,8 @@
         </p:nvSpPr>
         <p:spPr>
           <a:xfrm>
-            <a:off x="1167493" y="2023984"/>
-            <a:ext cx="4491435" cy="3332832"/>
+            <a:off x="985521" y="2023984"/>
+            <a:ext cx="10007600" cy="3332832"/>
           </a:xfrm>
         </p:spPr>
         <p:txBody>
@@ -10537,47 +11119,38 @@
           </a:lstStyle>
           <a:p>
             <a:r>
-              <a:rPr lang="en-US" sz="3200" dirty="0"/>
+              <a:rPr lang="en-US" sz="2800" dirty="0"/>
               <a:t>After state detection, extract production segments</a:t>
             </a:r>
           </a:p>
-        </p:txBody>
-      </p:sp>
-      <p:sp>
-        <p:nvSpPr>
-          <p:cNvPr id="4" name="Espace réservé du contenu 3">
-            <a:extLst>
-              <a:ext uri="{FF2B5EF4-FFF2-40B4-BE49-F238E27FC236}">
-                <a16:creationId xmlns:a16="http://schemas.microsoft.com/office/drawing/2014/main" id="{DBA34351-9D9C-8C32-5CC0-3F19A1CAC037}"/>
-              </a:ext>
-            </a:extLst>
-          </p:cNvPr>
-          <p:cNvSpPr>
-            <a:spLocks noGrp="1"/>
-          </p:cNvSpPr>
-          <p:nvPr>
-            <p:ph idx="10"/>
-          </p:nvPr>
-        </p:nvSpPr>
-        <p:spPr>
-          <a:xfrm>
-            <a:off x="6283235" y="2023984"/>
-            <a:ext cx="4485457" cy="3332832"/>
-          </a:xfrm>
-        </p:spPr>
-        <p:txBody>
-          <a:bodyPr rtlCol="0">
-            <a:normAutofit/>
-          </a:bodyPr>
-          <a:lstStyle>
-            <a:defPPr>
-              <a:defRPr lang="fr-FR"/>
-            </a:defPPr>
-          </a:lstStyle>
-          <a:p>
-            <a:r>
-              <a:rPr lang="en-US" sz="3200" dirty="0"/>
-              <a:t>These are the basis for performance evaluation</a:t>
+          <a:p>
+            <a:r>
+              <a:rPr lang="en-US" sz="2800" dirty="0"/>
+              <a:t>We take the generated production mask from state detection</a:t>
+            </a:r>
+          </a:p>
+          <a:p>
+            <a:r>
+              <a:rPr lang="en-US" sz="2800" dirty="0" err="1"/>
+              <a:t>Production_mask</a:t>
+            </a:r>
+            <a:r>
+              <a:rPr lang="en-US" sz="2800" dirty="0"/>
+              <a:t> = {false, </a:t>
+            </a:r>
+            <a:r>
+              <a:rPr lang="en-US" sz="2800" dirty="0" err="1"/>
+              <a:t>false,true,true,true,false</a:t>
+            </a:r>
+            <a:r>
+              <a:rPr lang="en-US" sz="2800" dirty="0"/>
+              <a:t>} </a:t>
+            </a:r>
+          </a:p>
+          <a:p>
+            <a:r>
+              <a:rPr lang="en-US" sz="2800" dirty="0"/>
+              <a:t>Productions states are where the mask is true</a:t>
             </a:r>
           </a:p>
         </p:txBody>
@@ -10586,167 +11159,6 @@
     <p:extLst>
       <p:ext uri="{BB962C8B-B14F-4D97-AF65-F5344CB8AC3E}">
         <p14:creationId xmlns:p14="http://schemas.microsoft.com/office/powerpoint/2010/main" val="1265939620"/>
-      </p:ext>
-    </p:extLst>
-  </p:cSld>
-  <p:clrMapOvr>
-    <a:masterClrMapping/>
-  </p:clrMapOvr>
-</p:sld>
-</file>
-
-<file path=ppt/slides/slide7.xml><?xml version="1.0" encoding="utf-8"?>
-<p:sld xmlns:a="http://schemas.openxmlformats.org/drawingml/2006/main" xmlns:r="http://schemas.openxmlformats.org/officeDocument/2006/relationships" xmlns:p="http://schemas.openxmlformats.org/presentationml/2006/main">
-  <p:cSld>
-    <p:spTree>
-      <p:nvGrpSpPr>
-        <p:cNvPr id="1" name=""/>
-        <p:cNvGrpSpPr/>
-        <p:nvPr/>
-      </p:nvGrpSpPr>
-      <p:grpSpPr>
-        <a:xfrm>
-          <a:off x="0" y="0"/>
-          <a:ext cx="0" cy="0"/>
-          <a:chOff x="0" y="0"/>
-          <a:chExt cx="0" cy="0"/>
-        </a:xfrm>
-      </p:grpSpPr>
-      <p:sp>
-        <p:nvSpPr>
-          <p:cNvPr id="2" name="Titre 1">
-            <a:extLst>
-              <a:ext uri="{FF2B5EF4-FFF2-40B4-BE49-F238E27FC236}">
-                <a16:creationId xmlns:a16="http://schemas.microsoft.com/office/drawing/2014/main" id="{912DF434-28DB-4621-A497-D62C41CE0419}"/>
-              </a:ext>
-            </a:extLst>
-          </p:cNvPr>
-          <p:cNvSpPr>
-            <a:spLocks noGrp="1"/>
-          </p:cNvSpPr>
-          <p:nvPr>
-            <p:ph type="title"/>
-          </p:nvPr>
-        </p:nvSpPr>
-        <p:spPr>
-          <a:xfrm>
-            <a:off x="1158864" y="102021"/>
-            <a:ext cx="9779183" cy="1744415"/>
-          </a:xfrm>
-        </p:spPr>
-        <p:txBody>
-          <a:bodyPr rtlCol="0"/>
-          <a:lstStyle>
-            <a:defPPr>
-              <a:defRPr lang="fr-FR"/>
-            </a:defPPr>
-          </a:lstStyle>
-          <a:p>
-            <a:pPr rtl="0"/>
-            <a:r>
-              <a:rPr lang="fr-FR" dirty="0"/>
-              <a:t>Cycle </a:t>
-            </a:r>
-            <a:r>
-              <a:rPr lang="fr-FR" dirty="0" err="1"/>
-              <a:t>Comparison</a:t>
-            </a:r>
-            <a:endParaRPr lang="fr-FR" dirty="0"/>
-          </a:p>
-        </p:txBody>
-      </p:sp>
-      <p:sp>
-        <p:nvSpPr>
-          <p:cNvPr id="3" name="Espace réservé du contenu 2">
-            <a:extLst>
-              <a:ext uri="{FF2B5EF4-FFF2-40B4-BE49-F238E27FC236}">
-                <a16:creationId xmlns:a16="http://schemas.microsoft.com/office/drawing/2014/main" id="{22788C46-D0BC-4307-AE55-7601A139E7CB}"/>
-              </a:ext>
-            </a:extLst>
-          </p:cNvPr>
-          <p:cNvSpPr>
-            <a:spLocks noGrp="1"/>
-          </p:cNvSpPr>
-          <p:nvPr>
-            <p:ph idx="1"/>
-          </p:nvPr>
-        </p:nvSpPr>
-        <p:spPr>
-          <a:xfrm>
-            <a:off x="1158865" y="2017467"/>
-            <a:ext cx="9779182" cy="4204039"/>
-          </a:xfrm>
-        </p:spPr>
-        <p:txBody>
-          <a:bodyPr vert="horz" lIns="91440" tIns="45720" rIns="91440" bIns="45720" rtlCol="0" anchor="t">
-            <a:normAutofit/>
-          </a:bodyPr>
-          <a:lstStyle>
-            <a:defPPr>
-              <a:defRPr lang="fr-FR"/>
-            </a:defPPr>
-          </a:lstStyle>
-          <a:p>
-            <a:r>
-              <a:rPr lang="en-US" dirty="0"/>
-              <a:t>Compare each production cycle to a standard one</a:t>
-            </a:r>
-          </a:p>
-          <a:p>
-            <a:r>
-              <a:rPr lang="en-US" dirty="0"/>
-              <a:t>Identify the most deviating cycles</a:t>
-            </a:r>
-          </a:p>
-          <a:p>
-            <a:r>
-              <a:rPr lang="en-US" dirty="0"/>
-              <a:t>Helps in anomaly detection and diagnostics</a:t>
-            </a:r>
-          </a:p>
-          <a:p>
-            <a:r>
-              <a:rPr lang="en-US" dirty="0"/>
-              <a:t>Assigning grade to the number of deviating pattern</a:t>
-            </a:r>
-          </a:p>
-          <a:p>
-            <a:r>
-              <a:rPr lang="en-US" dirty="0"/>
-              <a:t>A : no issue </a:t>
-            </a:r>
-          </a:p>
-          <a:p>
-            <a:r>
-              <a:rPr lang="en-US" dirty="0"/>
-              <a:t>B : 1 issues</a:t>
-            </a:r>
-          </a:p>
-          <a:p>
-            <a:r>
-              <a:rPr lang="en-US" dirty="0"/>
-              <a:t>C : 2 issues</a:t>
-            </a:r>
-          </a:p>
-          <a:p>
-            <a:r>
-              <a:rPr lang="en-US" dirty="0"/>
-              <a:t>D : 3 issues</a:t>
-            </a:r>
-          </a:p>
-          <a:p>
-            <a:endParaRPr lang="en-US" dirty="0"/>
-          </a:p>
-          <a:p>
-            <a:pPr rtl="0"/>
-            <a:endParaRPr lang="fr-FR" dirty="0"/>
-          </a:p>
-        </p:txBody>
-      </p:sp>
-    </p:spTree>
-    <p:extLst>
-      <p:ext uri="{BB962C8B-B14F-4D97-AF65-F5344CB8AC3E}">
-        <p14:creationId xmlns:p14="http://schemas.microsoft.com/office/powerpoint/2010/main" val="4050764894"/>
       </p:ext>
     </p:extLst>
   </p:cSld>
@@ -10775,10 +11187,10 @@
       </p:grpSpPr>
       <p:sp>
         <p:nvSpPr>
-          <p:cNvPr id="7" name="Titre 6">
+          <p:cNvPr id="6" name="Titre 5">
             <a:extLst>
               <a:ext uri="{FF2B5EF4-FFF2-40B4-BE49-F238E27FC236}">
-                <a16:creationId xmlns:a16="http://schemas.microsoft.com/office/drawing/2014/main" id="{81C753FD-96EC-101A-B8A4-5F69A189BEF4}"/>
+                <a16:creationId xmlns:a16="http://schemas.microsoft.com/office/drawing/2014/main" id="{EDF9E134-98AA-3ECE-E40A-180C85ACD7D5}"/>
               </a:ext>
             </a:extLst>
           </p:cNvPr>
@@ -10786,13 +11198,13 @@
             <a:spLocks noGrp="1"/>
           </p:cNvSpPr>
           <p:nvPr>
-            <p:ph type="ctrTitle"/>
+            <p:ph type="title"/>
           </p:nvPr>
         </p:nvSpPr>
         <p:spPr>
           <a:xfrm>
-            <a:off x="1167493" y="-661851"/>
-            <a:ext cx="6220278" cy="3262811"/>
+            <a:off x="1167492" y="136526"/>
+            <a:ext cx="9601200" cy="1653371"/>
           </a:xfrm>
         </p:spPr>
         <p:txBody>
@@ -10806,17 +11218,17 @@
             <a:pPr rtl="0"/>
             <a:r>
               <a:rPr lang="fr-FR" dirty="0"/>
-              <a:t>Conclusion</a:t>
+              <a:t>Segmentation</a:t>
             </a:r>
           </a:p>
         </p:txBody>
       </p:sp>
       <p:sp>
         <p:nvSpPr>
-          <p:cNvPr id="5" name="Sous-titre 4">
+          <p:cNvPr id="3" name="Espace réservé du contenu 2">
             <a:extLst>
               <a:ext uri="{FF2B5EF4-FFF2-40B4-BE49-F238E27FC236}">
-                <a16:creationId xmlns:a16="http://schemas.microsoft.com/office/drawing/2014/main" id="{67BB04B7-47A4-741B-59E0-F0E6F2126E8F}"/>
+                <a16:creationId xmlns:a16="http://schemas.microsoft.com/office/drawing/2014/main" id="{D1455C0B-19FB-954B-532A-0A68CAC4E0E4}"/>
               </a:ext>
             </a:extLst>
           </p:cNvPr>
@@ -10824,17 +11236,19 @@
             <a:spLocks noGrp="1"/>
           </p:cNvSpPr>
           <p:nvPr>
-            <p:ph type="subTitle" idx="1"/>
+            <p:ph idx="1"/>
           </p:nvPr>
         </p:nvSpPr>
         <p:spPr>
           <a:xfrm>
-            <a:off x="1167493" y="2797285"/>
-            <a:ext cx="6220277" cy="2919512"/>
+            <a:off x="985521" y="2023984"/>
+            <a:ext cx="10007600" cy="3332832"/>
           </a:xfrm>
         </p:spPr>
         <p:txBody>
-          <a:bodyPr rtlCol="0"/>
+          <a:bodyPr rtlCol="0">
+            <a:normAutofit/>
+          </a:bodyPr>
           <a:lstStyle>
             <a:defPPr>
               <a:defRPr lang="fr-FR"/>
@@ -10842,28 +11256,154 @@
           </a:lstStyle>
           <a:p>
             <a:r>
-              <a:rPr lang="en-US" dirty="0"/>
-              <a:t>Lightweight and interpretable solution for industrial data</a:t>
-            </a:r>
-          </a:p>
-          <a:p>
-            <a:r>
-              <a:rPr lang="en-US" dirty="0"/>
-              <a:t>Works in real-time environments</a:t>
-            </a:r>
-          </a:p>
-          <a:p>
-            <a:r>
-              <a:rPr lang="en-US" dirty="0"/>
-              <a:t>Easily extendable with visualization and reporting tools</a:t>
-            </a:r>
+              <a:rPr lang="en-US" sz="2800" dirty="0"/>
+              <a:t>We can then separate all production states in to segments ,based on the mask </a:t>
+            </a:r>
+          </a:p>
+          <a:p>
+            <a:r>
+              <a:rPr lang="en-US" sz="2800" dirty="0"/>
+              <a:t>We get all the information related to the segment and put it into a data object (database to be implemented) for later manipulation in quality analyzer</a:t>
+            </a:r>
+          </a:p>
+          <a:p>
+            <a:endParaRPr lang="en-US" sz="2800" dirty="0"/>
+          </a:p>
+          <a:p>
+            <a:endParaRPr lang="en-US" sz="2800" dirty="0"/>
           </a:p>
         </p:txBody>
       </p:sp>
     </p:spTree>
     <p:extLst>
       <p:ext uri="{BB962C8B-B14F-4D97-AF65-F5344CB8AC3E}">
-        <p14:creationId xmlns:p14="http://schemas.microsoft.com/office/powerpoint/2010/main" val="1609673525"/>
+        <p14:creationId xmlns:p14="http://schemas.microsoft.com/office/powerpoint/2010/main" val="2922340782"/>
+      </p:ext>
+    </p:extLst>
+  </p:cSld>
+  <p:clrMapOvr>
+    <a:masterClrMapping/>
+  </p:clrMapOvr>
+</p:sld>
+</file>
+
+<file path=ppt/slides/slide9.xml><?xml version="1.0" encoding="utf-8"?>
+<p:sld xmlns:a="http://schemas.openxmlformats.org/drawingml/2006/main" xmlns:r="http://schemas.openxmlformats.org/officeDocument/2006/relationships" xmlns:p="http://schemas.openxmlformats.org/presentationml/2006/main">
+  <p:cSld>
+    <p:spTree>
+      <p:nvGrpSpPr>
+        <p:cNvPr id="1" name=""/>
+        <p:cNvGrpSpPr/>
+        <p:nvPr/>
+      </p:nvGrpSpPr>
+      <p:grpSpPr>
+        <a:xfrm>
+          <a:off x="0" y="0"/>
+          <a:ext cx="0" cy="0"/>
+          <a:chOff x="0" y="0"/>
+          <a:chExt cx="0" cy="0"/>
+        </a:xfrm>
+      </p:grpSpPr>
+      <p:sp>
+        <p:nvSpPr>
+          <p:cNvPr id="2" name="Titre 1">
+            <a:extLst>
+              <a:ext uri="{FF2B5EF4-FFF2-40B4-BE49-F238E27FC236}">
+                <a16:creationId xmlns:a16="http://schemas.microsoft.com/office/drawing/2014/main" id="{57BB2878-8F9E-E71A-BCFB-36C39AF63D44}"/>
+              </a:ext>
+            </a:extLst>
+          </p:cNvPr>
+          <p:cNvSpPr>
+            <a:spLocks noGrp="1"/>
+          </p:cNvSpPr>
+          <p:nvPr>
+            <p:ph type="title"/>
+          </p:nvPr>
+        </p:nvSpPr>
+        <p:spPr/>
+        <p:txBody>
+          <a:bodyPr/>
+          <a:lstStyle/>
+          <a:p>
+            <a:r>
+              <a:rPr lang="fr-FR" dirty="0"/>
+              <a:t>Cycle Segmenter</a:t>
+            </a:r>
+          </a:p>
+        </p:txBody>
+      </p:sp>
+      <p:sp>
+        <p:nvSpPr>
+          <p:cNvPr id="3" name="Espace réservé du contenu 2">
+            <a:extLst>
+              <a:ext uri="{FF2B5EF4-FFF2-40B4-BE49-F238E27FC236}">
+                <a16:creationId xmlns:a16="http://schemas.microsoft.com/office/drawing/2014/main" id="{D751D6EE-9F3D-C881-5A68-49A9A1636853}"/>
+              </a:ext>
+            </a:extLst>
+          </p:cNvPr>
+          <p:cNvSpPr>
+            <a:spLocks noGrp="1"/>
+          </p:cNvSpPr>
+          <p:nvPr>
+            <p:ph idx="1"/>
+          </p:nvPr>
+        </p:nvSpPr>
+        <p:spPr>
+          <a:xfrm>
+            <a:off x="1288955" y="2257664"/>
+            <a:ext cx="4522107" cy="4285376"/>
+          </a:xfrm>
+        </p:spPr>
+        <p:txBody>
+          <a:bodyPr>
+            <a:normAutofit/>
+          </a:bodyPr>
+          <a:lstStyle/>
+          <a:p>
+            <a:r>
+              <a:rPr lang="fr-FR" sz="3200" dirty="0"/>
+              <a:t>From the segmenter we get a list of all the cycles each in a data objet </a:t>
+            </a:r>
+          </a:p>
+          <a:p>
+            <a:endParaRPr lang="fr-FR" sz="3200" dirty="0"/>
+          </a:p>
+        </p:txBody>
+      </p:sp>
+      <p:pic>
+        <p:nvPicPr>
+          <p:cNvPr id="7" name="Image 6">
+            <a:extLst>
+              <a:ext uri="{FF2B5EF4-FFF2-40B4-BE49-F238E27FC236}">
+                <a16:creationId xmlns:a16="http://schemas.microsoft.com/office/drawing/2014/main" id="{585ACC08-78C3-EDEA-DEB6-6A0BE1EB62A4}"/>
+              </a:ext>
+            </a:extLst>
+          </p:cNvPr>
+          <p:cNvPicPr>
+            <a:picLocks noChangeAspect="1"/>
+          </p:cNvPicPr>
+          <p:nvPr/>
+        </p:nvPicPr>
+        <p:blipFill>
+          <a:blip r:embed="rId2"/>
+          <a:stretch>
+            <a:fillRect/>
+          </a:stretch>
+        </p:blipFill>
+        <p:spPr>
+          <a:xfrm>
+            <a:off x="6380939" y="1352260"/>
+            <a:ext cx="5811061" cy="4153480"/>
+          </a:xfrm>
+          <a:prstGeom prst="rect">
+            <a:avLst/>
+          </a:prstGeom>
+        </p:spPr>
+      </p:pic>
+    </p:spTree>
+    <p:extLst>
+      <p:ext uri="{BB962C8B-B14F-4D97-AF65-F5344CB8AC3E}">
+        <p14:creationId xmlns:p14="http://schemas.microsoft.com/office/powerpoint/2010/main" val="1524893642"/>
       </p:ext>
     </p:extLst>
   </p:cSld>
@@ -11665,26 +12205,6 @@
 </file>
 
 <file path=customXml/item1.xml><?xml version="1.0" encoding="utf-8"?>
-<p:properties xmlns:p="http://schemas.microsoft.com/office/2006/metadata/properties" xmlns:xsi="http://www.w3.org/2001/XMLSchema-instance" xmlns:pc="http://schemas.microsoft.com/office/infopath/2007/PartnerControls">
-  <documentManagement>
-    <_ip_UnifiedCompliancePolicyUIAction xmlns="http://schemas.microsoft.com/sharepoint/v3" xsi:nil="true"/>
-    <Image xmlns="71af3243-3dd4-4a8d-8c0d-dd76da1f02a5">
-      <Url xsi:nil="true"/>
-      <Description xsi:nil="true"/>
-    </Image>
-    <Status xmlns="71af3243-3dd4-4a8d-8c0d-dd76da1f02a5">Not started</Status>
-    <Background xmlns="71af3243-3dd4-4a8d-8c0d-dd76da1f02a5">false</Background>
-    <_ip_UnifiedCompliancePolicyProperties xmlns="http://schemas.microsoft.com/sharepoint/v3" xsi:nil="true"/>
-    <ImageTagsTaxHTField xmlns="71af3243-3dd4-4a8d-8c0d-dd76da1f02a5">
-      <Terms xmlns="http://schemas.microsoft.com/office/infopath/2007/PartnerControls"/>
-    </ImageTagsTaxHTField>
-    <TaxCatchAll xmlns="230e9df3-be65-4c73-a93b-d1236ebd677e" xsi:nil="true"/>
-    <MediaServiceKeyPoints xmlns="71af3243-3dd4-4a8d-8c0d-dd76da1f02a5" xsi:nil="true"/>
-  </documentManagement>
-</p:properties>
-</file>
-
-<file path=customXml/item2.xml><?xml version="1.0" encoding="utf-8"?>
 <ct:contentTypeSchema xmlns:ct="http://schemas.microsoft.com/office/2006/metadata/contentType" xmlns:ma="http://schemas.microsoft.com/office/2006/metadata/properties/metaAttributes" ct:_="" ma:_="" ma:contentTypeName="Document" ma:contentTypeID="0x01010079F111ED35F8CC479449609E8A0923A6" ma:contentTypeVersion="28" ma:contentTypeDescription="Create a new document." ma:contentTypeScope="" ma:versionID="60f5a4f2d2b0abadcf532d48ebf9cb71">
   <xsd:schema xmlns:xsd="http://www.w3.org/2001/XMLSchema" xmlns:xs="http://www.w3.org/2001/XMLSchema" xmlns:p="http://schemas.microsoft.com/office/2006/metadata/properties" xmlns:ns1="http://schemas.microsoft.com/sharepoint/v3" xmlns:ns2="71af3243-3dd4-4a8d-8c0d-dd76da1f02a5" xmlns:ns3="16c05727-aa75-4e4a-9b5f-8a80a1165891" xmlns:ns4="230e9df3-be65-4c73-a93b-d1236ebd677e" targetNamespace="http://schemas.microsoft.com/office/2006/metadata/properties" ma:root="true" ma:fieldsID="7dd78129e6a1811f84807ad11c651531" ns1:_="" ns2:_="" ns3:_="" ns4:_="">
     <xsd:import namespace="http://schemas.microsoft.com/sharepoint/v3"/>
@@ -11996,6 +12516,26 @@
 </ct:contentTypeSchema>
 </file>
 
+<file path=customXml/item2.xml><?xml version="1.0" encoding="utf-8"?>
+<p:properties xmlns:p="http://schemas.microsoft.com/office/2006/metadata/properties" xmlns:xsi="http://www.w3.org/2001/XMLSchema-instance" xmlns:pc="http://schemas.microsoft.com/office/infopath/2007/PartnerControls">
+  <documentManagement>
+    <_ip_UnifiedCompliancePolicyUIAction xmlns="http://schemas.microsoft.com/sharepoint/v3" xsi:nil="true"/>
+    <Image xmlns="71af3243-3dd4-4a8d-8c0d-dd76da1f02a5">
+      <Url xsi:nil="true"/>
+      <Description xsi:nil="true"/>
+    </Image>
+    <Status xmlns="71af3243-3dd4-4a8d-8c0d-dd76da1f02a5">Not started</Status>
+    <Background xmlns="71af3243-3dd4-4a8d-8c0d-dd76da1f02a5">false</Background>
+    <_ip_UnifiedCompliancePolicyProperties xmlns="http://schemas.microsoft.com/sharepoint/v3" xsi:nil="true"/>
+    <ImageTagsTaxHTField xmlns="71af3243-3dd4-4a8d-8c0d-dd76da1f02a5">
+      <Terms xmlns="http://schemas.microsoft.com/office/infopath/2007/PartnerControls"/>
+    </ImageTagsTaxHTField>
+    <TaxCatchAll xmlns="230e9df3-be65-4c73-a93b-d1236ebd677e" xsi:nil="true"/>
+    <MediaServiceKeyPoints xmlns="71af3243-3dd4-4a8d-8c0d-dd76da1f02a5" xsi:nil="true"/>
+  </documentManagement>
+</p:properties>
+</file>
+
 <file path=customXml/item3.xml><?xml version="1.0" encoding="utf-8"?>
 <?mso-contentType ?>
 <FormTemplates xmlns="http://schemas.microsoft.com/sharepoint/v3/contenttype/forms">
@@ -12006,18 +12546,6 @@
 </file>
 
 <file path=customXml/itemProps1.xml><?xml version="1.0" encoding="utf-8"?>
-<ds:datastoreItem xmlns:ds="http://schemas.openxmlformats.org/officeDocument/2006/customXml" ds:itemID="{61E98C35-9ECE-4425-BCBA-00E118C705CE}">
-  <ds:schemaRefs>
-    <ds:schemaRef ds:uri="http://schemas.microsoft.com/office/2006/metadata/properties"/>
-    <ds:schemaRef ds:uri="http://schemas.microsoft.com/office/infopath/2007/PartnerControls"/>
-    <ds:schemaRef ds:uri="http://schemas.microsoft.com/sharepoint/v3"/>
-    <ds:schemaRef ds:uri="71af3243-3dd4-4a8d-8c0d-dd76da1f02a5"/>
-    <ds:schemaRef ds:uri="230e9df3-be65-4c73-a93b-d1236ebd677e"/>
-  </ds:schemaRefs>
-</ds:datastoreItem>
-</file>
-
-<file path=customXml/itemProps2.xml><?xml version="1.0" encoding="utf-8"?>
 <ds:datastoreItem xmlns:ds="http://schemas.openxmlformats.org/officeDocument/2006/customXml" ds:itemID="{5AA6A711-2C3F-4EC0-B88B-62D740851176}">
   <ds:schemaRefs>
     <ds:schemaRef ds:uri="http://schemas.microsoft.com/office/2006/metadata/contentType"/>
@@ -12038,6 +12566,18 @@
 </ds:datastoreItem>
 </file>
 
+<file path=customXml/itemProps2.xml><?xml version="1.0" encoding="utf-8"?>
+<ds:datastoreItem xmlns:ds="http://schemas.openxmlformats.org/officeDocument/2006/customXml" ds:itemID="{61E98C35-9ECE-4425-BCBA-00E118C705CE}">
+  <ds:schemaRefs>
+    <ds:schemaRef ds:uri="http://schemas.microsoft.com/office/2006/metadata/properties"/>
+    <ds:schemaRef ds:uri="http://schemas.microsoft.com/office/infopath/2007/PartnerControls"/>
+    <ds:schemaRef ds:uri="http://schemas.microsoft.com/sharepoint/v3"/>
+    <ds:schemaRef ds:uri="71af3243-3dd4-4a8d-8c0d-dd76da1f02a5"/>
+    <ds:schemaRef ds:uri="230e9df3-be65-4c73-a93b-d1236ebd677e"/>
+  </ds:schemaRefs>
+</ds:datastoreItem>
+</file>
+
 <file path=customXml/itemProps3.xml><?xml version="1.0" encoding="utf-8"?>
 <ds:datastoreItem xmlns:ds="http://schemas.openxmlformats.org/officeDocument/2006/customXml" ds:itemID="{45A8381C-73EB-48EA-B45F-7B7C8C7DF409}">
   <ds:schemaRefs>
